--- a/progressSlide/progessWeek3_PonMorin.pptx
+++ b/progressSlide/progessWeek3_PonMorin.pptx
@@ -11,6 +11,8 @@
     <p:sldId id="258" r:id="rId5"/>
     <p:sldId id="257" r:id="rId6"/>
     <p:sldId id="259" r:id="rId7"/>
+    <p:sldId id="262" r:id="rId8"/>
+    <p:sldId id="263" r:id="rId9"/>
   </p:sldIdLst>
   <p:sldSz cx="12192000" cy="6858000"/>
   <p:notesSz cx="6858000" cy="9144000"/>
@@ -109,6 +111,11 @@
       </a:defRPr>
     </a:lvl9pPr>
   </p:defaultTextStyle>
+  <p:extLst>
+    <p:ext uri="{EFAFB233-063F-42B5-8137-9DF3F51BA10A}">
+      <p15:sldGuideLst xmlns:p15="http://schemas.microsoft.com/office/powerpoint/2012/main"/>
+    </p:ext>
+  </p:extLst>
 </p:presentation>
 </file>
 
@@ -261,7 +268,7 @@
           <a:p>
             <a:fld id="{85092A66-646C-694B-AB60-4976B7066C7C}" type="datetimeFigureOut">
               <a:rPr lang="en-TH" smtClean="0"/>
-              <a:t>8/2/2023 R</a:t>
+              <a:t>14/2/2023 R</a:t>
             </a:fld>
             <a:endParaRPr lang="en-TH"/>
           </a:p>
@@ -461,7 +468,7 @@
           <a:p>
             <a:fld id="{85092A66-646C-694B-AB60-4976B7066C7C}" type="datetimeFigureOut">
               <a:rPr lang="en-TH" smtClean="0"/>
-              <a:t>8/2/2023 R</a:t>
+              <a:t>14/2/2023 R</a:t>
             </a:fld>
             <a:endParaRPr lang="en-TH"/>
           </a:p>
@@ -671,7 +678,7 @@
           <a:p>
             <a:fld id="{85092A66-646C-694B-AB60-4976B7066C7C}" type="datetimeFigureOut">
               <a:rPr lang="en-TH" smtClean="0"/>
-              <a:t>8/2/2023 R</a:t>
+              <a:t>14/2/2023 R</a:t>
             </a:fld>
             <a:endParaRPr lang="en-TH"/>
           </a:p>
@@ -871,7 +878,7 @@
           <a:p>
             <a:fld id="{85092A66-646C-694B-AB60-4976B7066C7C}" type="datetimeFigureOut">
               <a:rPr lang="en-TH" smtClean="0"/>
-              <a:t>8/2/2023 R</a:t>
+              <a:t>14/2/2023 R</a:t>
             </a:fld>
             <a:endParaRPr lang="en-TH"/>
           </a:p>
@@ -1147,7 +1154,7 @@
           <a:p>
             <a:fld id="{85092A66-646C-694B-AB60-4976B7066C7C}" type="datetimeFigureOut">
               <a:rPr lang="en-TH" smtClean="0"/>
-              <a:t>8/2/2023 R</a:t>
+              <a:t>14/2/2023 R</a:t>
             </a:fld>
             <a:endParaRPr lang="en-TH"/>
           </a:p>
@@ -1415,7 +1422,7 @@
           <a:p>
             <a:fld id="{85092A66-646C-694B-AB60-4976B7066C7C}" type="datetimeFigureOut">
               <a:rPr lang="en-TH" smtClean="0"/>
-              <a:t>8/2/2023 R</a:t>
+              <a:t>14/2/2023 R</a:t>
             </a:fld>
             <a:endParaRPr lang="en-TH"/>
           </a:p>
@@ -1830,7 +1837,7 @@
           <a:p>
             <a:fld id="{85092A66-646C-694B-AB60-4976B7066C7C}" type="datetimeFigureOut">
               <a:rPr lang="en-TH" smtClean="0"/>
-              <a:t>8/2/2023 R</a:t>
+              <a:t>14/2/2023 R</a:t>
             </a:fld>
             <a:endParaRPr lang="en-TH"/>
           </a:p>
@@ -1972,7 +1979,7 @@
           <a:p>
             <a:fld id="{85092A66-646C-694B-AB60-4976B7066C7C}" type="datetimeFigureOut">
               <a:rPr lang="en-TH" smtClean="0"/>
-              <a:t>8/2/2023 R</a:t>
+              <a:t>14/2/2023 R</a:t>
             </a:fld>
             <a:endParaRPr lang="en-TH"/>
           </a:p>
@@ -2085,7 +2092,7 @@
           <a:p>
             <a:fld id="{85092A66-646C-694B-AB60-4976B7066C7C}" type="datetimeFigureOut">
               <a:rPr lang="en-TH" smtClean="0"/>
-              <a:t>8/2/2023 R</a:t>
+              <a:t>14/2/2023 R</a:t>
             </a:fld>
             <a:endParaRPr lang="en-TH"/>
           </a:p>
@@ -2398,7 +2405,7 @@
           <a:p>
             <a:fld id="{85092A66-646C-694B-AB60-4976B7066C7C}" type="datetimeFigureOut">
               <a:rPr lang="en-TH" smtClean="0"/>
-              <a:t>8/2/2023 R</a:t>
+              <a:t>14/2/2023 R</a:t>
             </a:fld>
             <a:endParaRPr lang="en-TH"/>
           </a:p>
@@ -2687,7 +2694,7 @@
           <a:p>
             <a:fld id="{85092A66-646C-694B-AB60-4976B7066C7C}" type="datetimeFigureOut">
               <a:rPr lang="en-TH" smtClean="0"/>
-              <a:t>8/2/2023 R</a:t>
+              <a:t>14/2/2023 R</a:t>
             </a:fld>
             <a:endParaRPr lang="en-TH"/>
           </a:p>
@@ -2930,7 +2937,7 @@
           <a:p>
             <a:fld id="{85092A66-646C-694B-AB60-4976B7066C7C}" type="datetimeFigureOut">
               <a:rPr lang="en-TH" smtClean="0"/>
-              <a:t>8/2/2023 R</a:t>
+              <a:t>14/2/2023 R</a:t>
             </a:fld>
             <a:endParaRPr lang="en-TH"/>
           </a:p>
@@ -3806,6 +3813,454 @@
 </p:sld>
 </file>
 
+<file path=ppt/slides/slide7.xml><?xml version="1.0" encoding="utf-8"?>
+<p:sld xmlns:a="http://schemas.openxmlformats.org/drawingml/2006/main" xmlns:r="http://schemas.openxmlformats.org/officeDocument/2006/relationships" xmlns:p="http://schemas.openxmlformats.org/presentationml/2006/main">
+  <p:cSld>
+    <p:bg>
+      <p:bgPr>
+        <a:solidFill>
+          <a:schemeClr val="bg1"/>
+        </a:solidFill>
+        <a:effectLst/>
+      </p:bgPr>
+    </p:bg>
+    <p:spTree>
+      <p:nvGrpSpPr>
+        <p:cNvPr id="1" name=""/>
+        <p:cNvGrpSpPr/>
+        <p:nvPr/>
+      </p:nvGrpSpPr>
+      <p:grpSpPr>
+        <a:xfrm>
+          <a:off x="0" y="0"/>
+          <a:ext cx="0" cy="0"/>
+          <a:chOff x="0" y="0"/>
+          <a:chExt cx="0" cy="0"/>
+        </a:xfrm>
+      </p:grpSpPr>
+      <p:sp>
+        <p:nvSpPr>
+          <p:cNvPr id="9" name="Rectangle 11">
+            <a:extLst>
+              <a:ext uri="{FF2B5EF4-FFF2-40B4-BE49-F238E27FC236}">
+                <a16:creationId xmlns:a16="http://schemas.microsoft.com/office/drawing/2014/main" id="{42A4FC2C-047E-45A5-965D-8E1E3BF09BC6}"/>
+              </a:ext>
+              <a:ext uri="{C183D7F6-B498-43B3-948B-1728B52AA6E4}">
+                <adec:decorative xmlns:adec="http://schemas.microsoft.com/office/drawing/2017/decorative" val="1"/>
+              </a:ext>
+            </a:extLst>
+          </p:cNvPr>
+          <p:cNvSpPr>
+            <a:spLocks noGrp="1" noRot="1" noChangeAspect="1" noMove="1" noResize="1" noEditPoints="1" noAdjustHandles="1" noChangeArrowheads="1" noChangeShapeType="1" noTextEdit="1"/>
+          </p:cNvSpPr>
+          <p:nvPr>
+            <p:extLst>
+              <p:ext uri="{386F3935-93C4-4BCD-93E2-E3B085C9AB24}">
+                <p16:designElem xmlns:p16="http://schemas.microsoft.com/office/powerpoint/2015/main" val="1"/>
+              </p:ext>
+            </p:extLst>
+          </p:nvPr>
+        </p:nvSpPr>
+        <p:spPr bwMode="white">
+          <a:xfrm>
+            <a:off x="1524" y="0"/>
+            <a:ext cx="12188952" cy="6858000"/>
+          </a:xfrm>
+          <a:prstGeom prst="rect">
+            <a:avLst/>
+          </a:prstGeom>
+          <a:noFill/>
+          <a:ln>
+            <a:noFill/>
+          </a:ln>
+        </p:spPr>
+        <p:style>
+          <a:lnRef idx="2">
+            <a:schemeClr val="accent1">
+              <a:shade val="50000"/>
+            </a:schemeClr>
+          </a:lnRef>
+          <a:fillRef idx="1">
+            <a:schemeClr val="accent1"/>
+          </a:fillRef>
+          <a:effectRef idx="0">
+            <a:schemeClr val="accent1"/>
+          </a:effectRef>
+          <a:fontRef idx="minor">
+            <a:schemeClr val="lt1"/>
+          </a:fontRef>
+        </p:style>
+        <p:txBody>
+          <a:bodyPr rtlCol="0" anchor="ctr"/>
+          <a:lstStyle>
+            <a:defPPr>
+              <a:defRPr lang="en-US"/>
+            </a:defPPr>
+            <a:lvl1pPr marL="0" algn="l" defTabSz="914400" rtl="0" eaLnBrk="1" latinLnBrk="0" hangingPunct="1">
+              <a:defRPr sz="1800" kern="1200">
+                <a:solidFill>
+                  <a:schemeClr val="lt1"/>
+                </a:solidFill>
+                <a:latin typeface="+mn-lt"/>
+                <a:ea typeface="+mn-ea"/>
+                <a:cs typeface="+mn-cs"/>
+              </a:defRPr>
+            </a:lvl1pPr>
+            <a:lvl2pPr marL="457200" algn="l" defTabSz="914400" rtl="0" eaLnBrk="1" latinLnBrk="0" hangingPunct="1">
+              <a:defRPr sz="1800" kern="1200">
+                <a:solidFill>
+                  <a:schemeClr val="lt1"/>
+                </a:solidFill>
+                <a:latin typeface="+mn-lt"/>
+                <a:ea typeface="+mn-ea"/>
+                <a:cs typeface="+mn-cs"/>
+              </a:defRPr>
+            </a:lvl2pPr>
+            <a:lvl3pPr marL="914400" algn="l" defTabSz="914400" rtl="0" eaLnBrk="1" latinLnBrk="0" hangingPunct="1">
+              <a:defRPr sz="1800" kern="1200">
+                <a:solidFill>
+                  <a:schemeClr val="lt1"/>
+                </a:solidFill>
+                <a:latin typeface="+mn-lt"/>
+                <a:ea typeface="+mn-ea"/>
+                <a:cs typeface="+mn-cs"/>
+              </a:defRPr>
+            </a:lvl3pPr>
+            <a:lvl4pPr marL="1371600" algn="l" defTabSz="914400" rtl="0" eaLnBrk="1" latinLnBrk="0" hangingPunct="1">
+              <a:defRPr sz="1800" kern="1200">
+                <a:solidFill>
+                  <a:schemeClr val="lt1"/>
+                </a:solidFill>
+                <a:latin typeface="+mn-lt"/>
+                <a:ea typeface="+mn-ea"/>
+                <a:cs typeface="+mn-cs"/>
+              </a:defRPr>
+            </a:lvl4pPr>
+            <a:lvl5pPr marL="1828800" algn="l" defTabSz="914400" rtl="0" eaLnBrk="1" latinLnBrk="0" hangingPunct="1">
+              <a:defRPr sz="1800" kern="1200">
+                <a:solidFill>
+                  <a:schemeClr val="lt1"/>
+                </a:solidFill>
+                <a:latin typeface="+mn-lt"/>
+                <a:ea typeface="+mn-ea"/>
+                <a:cs typeface="+mn-cs"/>
+              </a:defRPr>
+            </a:lvl5pPr>
+            <a:lvl6pPr marL="2286000" algn="l" defTabSz="914400" rtl="0" eaLnBrk="1" latinLnBrk="0" hangingPunct="1">
+              <a:defRPr sz="1800" kern="1200">
+                <a:solidFill>
+                  <a:schemeClr val="lt1"/>
+                </a:solidFill>
+                <a:latin typeface="+mn-lt"/>
+                <a:ea typeface="+mn-ea"/>
+                <a:cs typeface="+mn-cs"/>
+              </a:defRPr>
+            </a:lvl6pPr>
+            <a:lvl7pPr marL="2743200" algn="l" defTabSz="914400" rtl="0" eaLnBrk="1" latinLnBrk="0" hangingPunct="1">
+              <a:defRPr sz="1800" kern="1200">
+                <a:solidFill>
+                  <a:schemeClr val="lt1"/>
+                </a:solidFill>
+                <a:latin typeface="+mn-lt"/>
+                <a:ea typeface="+mn-ea"/>
+                <a:cs typeface="+mn-cs"/>
+              </a:defRPr>
+            </a:lvl7pPr>
+            <a:lvl8pPr marL="3200400" algn="l" defTabSz="914400" rtl="0" eaLnBrk="1" latinLnBrk="0" hangingPunct="1">
+              <a:defRPr sz="1800" kern="1200">
+                <a:solidFill>
+                  <a:schemeClr val="lt1"/>
+                </a:solidFill>
+                <a:latin typeface="+mn-lt"/>
+                <a:ea typeface="+mn-ea"/>
+                <a:cs typeface="+mn-cs"/>
+              </a:defRPr>
+            </a:lvl8pPr>
+            <a:lvl9pPr marL="3657600" algn="l" defTabSz="914400" rtl="0" eaLnBrk="1" latinLnBrk="0" hangingPunct="1">
+              <a:defRPr sz="1800" kern="1200">
+                <a:solidFill>
+                  <a:schemeClr val="lt1"/>
+                </a:solidFill>
+                <a:latin typeface="+mn-lt"/>
+                <a:ea typeface="+mn-ea"/>
+                <a:cs typeface="+mn-cs"/>
+              </a:defRPr>
+            </a:lvl9pPr>
+          </a:lstStyle>
+          <a:p>
+            <a:pPr algn="ctr"/>
+            <a:endParaRPr lang="en-US"/>
+          </a:p>
+        </p:txBody>
+      </p:sp>
+      <p:pic>
+        <p:nvPicPr>
+          <p:cNvPr id="7" name="Content Placeholder 6" descr="Graphical user interface, application&#10;&#10;Description automatically generated">
+            <a:extLst>
+              <a:ext uri="{FF2B5EF4-FFF2-40B4-BE49-F238E27FC236}">
+                <a16:creationId xmlns:a16="http://schemas.microsoft.com/office/drawing/2014/main" id="{DB72536C-3135-CE88-D124-2D77572DC29F}"/>
+              </a:ext>
+            </a:extLst>
+          </p:cNvPr>
+          <p:cNvPicPr>
+            <a:picLocks noGrp="1" noChangeAspect="1"/>
+          </p:cNvPicPr>
+          <p:nvPr>
+            <p:ph idx="1"/>
+          </p:nvPr>
+        </p:nvPicPr>
+        <p:blipFill rotWithShape="1">
+          <a:blip r:embed="rId2"/>
+          <a:srcRect l="5765" r="6219"/>
+          <a:stretch/>
+        </p:blipFill>
+        <p:spPr>
+          <a:xfrm>
+            <a:off x="20" y="1282"/>
+            <a:ext cx="12191980" cy="6856718"/>
+          </a:xfrm>
+          <a:prstGeom prst="rect">
+            <a:avLst/>
+          </a:prstGeom>
+        </p:spPr>
+      </p:pic>
+    </p:spTree>
+    <p:extLst>
+      <p:ext uri="{BB962C8B-B14F-4D97-AF65-F5344CB8AC3E}">
+        <p14:creationId xmlns:p14="http://schemas.microsoft.com/office/powerpoint/2010/main" val="390435749"/>
+      </p:ext>
+    </p:extLst>
+  </p:cSld>
+  <p:clrMapOvr>
+    <a:masterClrMapping/>
+  </p:clrMapOvr>
+</p:sld>
+</file>
+
+<file path=ppt/slides/slide8.xml><?xml version="1.0" encoding="utf-8"?>
+<p:sld xmlns:a="http://schemas.openxmlformats.org/drawingml/2006/main" xmlns:r="http://schemas.openxmlformats.org/officeDocument/2006/relationships" xmlns:p="http://schemas.openxmlformats.org/presentationml/2006/main">
+  <p:cSld>
+    <p:bg>
+      <p:bgPr>
+        <a:solidFill>
+          <a:schemeClr val="bg1"/>
+        </a:solidFill>
+        <a:effectLst/>
+      </p:bgPr>
+    </p:bg>
+    <p:spTree>
+      <p:nvGrpSpPr>
+        <p:cNvPr id="1" name=""/>
+        <p:cNvGrpSpPr/>
+        <p:nvPr/>
+      </p:nvGrpSpPr>
+      <p:grpSpPr>
+        <a:xfrm>
+          <a:off x="0" y="0"/>
+          <a:ext cx="0" cy="0"/>
+          <a:chOff x="0" y="0"/>
+          <a:chExt cx="0" cy="0"/>
+        </a:xfrm>
+      </p:grpSpPr>
+      <p:sp>
+        <p:nvSpPr>
+          <p:cNvPr id="10" name="Rectangle 9">
+            <a:extLst>
+              <a:ext uri="{FF2B5EF4-FFF2-40B4-BE49-F238E27FC236}">
+                <a16:creationId xmlns:a16="http://schemas.microsoft.com/office/drawing/2014/main" id="{42A4FC2C-047E-45A5-965D-8E1E3BF09BC6}"/>
+              </a:ext>
+              <a:ext uri="{C183D7F6-B498-43B3-948B-1728B52AA6E4}">
+                <adec:decorative xmlns:adec="http://schemas.microsoft.com/office/drawing/2017/decorative" val="1"/>
+              </a:ext>
+            </a:extLst>
+          </p:cNvPr>
+          <p:cNvSpPr>
+            <a:spLocks noGrp="1" noRot="1" noChangeAspect="1" noMove="1" noResize="1" noEditPoints="1" noAdjustHandles="1" noChangeArrowheads="1" noChangeShapeType="1" noTextEdit="1"/>
+          </p:cNvSpPr>
+          <p:nvPr>
+            <p:extLst>
+              <p:ext uri="{386F3935-93C4-4BCD-93E2-E3B085C9AB24}">
+                <p16:designElem xmlns:p16="http://schemas.microsoft.com/office/powerpoint/2015/main" val="1"/>
+              </p:ext>
+            </p:extLst>
+          </p:nvPr>
+        </p:nvSpPr>
+        <p:spPr bwMode="white">
+          <a:xfrm>
+            <a:off x="1524" y="0"/>
+            <a:ext cx="12188952" cy="6858000"/>
+          </a:xfrm>
+          <a:prstGeom prst="rect">
+            <a:avLst/>
+          </a:prstGeom>
+          <a:noFill/>
+          <a:ln>
+            <a:noFill/>
+          </a:ln>
+        </p:spPr>
+        <p:style>
+          <a:lnRef idx="2">
+            <a:schemeClr val="accent1">
+              <a:shade val="50000"/>
+            </a:schemeClr>
+          </a:lnRef>
+          <a:fillRef idx="1">
+            <a:schemeClr val="accent1"/>
+          </a:fillRef>
+          <a:effectRef idx="0">
+            <a:schemeClr val="accent1"/>
+          </a:effectRef>
+          <a:fontRef idx="minor">
+            <a:schemeClr val="lt1"/>
+          </a:fontRef>
+        </p:style>
+        <p:txBody>
+          <a:bodyPr rtlCol="0" anchor="ctr"/>
+          <a:lstStyle>
+            <a:defPPr>
+              <a:defRPr lang="en-US"/>
+            </a:defPPr>
+            <a:lvl1pPr marL="0" algn="l" defTabSz="914400" rtl="0" eaLnBrk="1" latinLnBrk="0" hangingPunct="1">
+              <a:defRPr sz="1800" kern="1200">
+                <a:solidFill>
+                  <a:schemeClr val="lt1"/>
+                </a:solidFill>
+                <a:latin typeface="+mn-lt"/>
+                <a:ea typeface="+mn-ea"/>
+                <a:cs typeface="+mn-cs"/>
+              </a:defRPr>
+            </a:lvl1pPr>
+            <a:lvl2pPr marL="457200" algn="l" defTabSz="914400" rtl="0" eaLnBrk="1" latinLnBrk="0" hangingPunct="1">
+              <a:defRPr sz="1800" kern="1200">
+                <a:solidFill>
+                  <a:schemeClr val="lt1"/>
+                </a:solidFill>
+                <a:latin typeface="+mn-lt"/>
+                <a:ea typeface="+mn-ea"/>
+                <a:cs typeface="+mn-cs"/>
+              </a:defRPr>
+            </a:lvl2pPr>
+            <a:lvl3pPr marL="914400" algn="l" defTabSz="914400" rtl="0" eaLnBrk="1" latinLnBrk="0" hangingPunct="1">
+              <a:defRPr sz="1800" kern="1200">
+                <a:solidFill>
+                  <a:schemeClr val="lt1"/>
+                </a:solidFill>
+                <a:latin typeface="+mn-lt"/>
+                <a:ea typeface="+mn-ea"/>
+                <a:cs typeface="+mn-cs"/>
+              </a:defRPr>
+            </a:lvl3pPr>
+            <a:lvl4pPr marL="1371600" algn="l" defTabSz="914400" rtl="0" eaLnBrk="1" latinLnBrk="0" hangingPunct="1">
+              <a:defRPr sz="1800" kern="1200">
+                <a:solidFill>
+                  <a:schemeClr val="lt1"/>
+                </a:solidFill>
+                <a:latin typeface="+mn-lt"/>
+                <a:ea typeface="+mn-ea"/>
+                <a:cs typeface="+mn-cs"/>
+              </a:defRPr>
+            </a:lvl4pPr>
+            <a:lvl5pPr marL="1828800" algn="l" defTabSz="914400" rtl="0" eaLnBrk="1" latinLnBrk="0" hangingPunct="1">
+              <a:defRPr sz="1800" kern="1200">
+                <a:solidFill>
+                  <a:schemeClr val="lt1"/>
+                </a:solidFill>
+                <a:latin typeface="+mn-lt"/>
+                <a:ea typeface="+mn-ea"/>
+                <a:cs typeface="+mn-cs"/>
+              </a:defRPr>
+            </a:lvl5pPr>
+            <a:lvl6pPr marL="2286000" algn="l" defTabSz="914400" rtl="0" eaLnBrk="1" latinLnBrk="0" hangingPunct="1">
+              <a:defRPr sz="1800" kern="1200">
+                <a:solidFill>
+                  <a:schemeClr val="lt1"/>
+                </a:solidFill>
+                <a:latin typeface="+mn-lt"/>
+                <a:ea typeface="+mn-ea"/>
+                <a:cs typeface="+mn-cs"/>
+              </a:defRPr>
+            </a:lvl6pPr>
+            <a:lvl7pPr marL="2743200" algn="l" defTabSz="914400" rtl="0" eaLnBrk="1" latinLnBrk="0" hangingPunct="1">
+              <a:defRPr sz="1800" kern="1200">
+                <a:solidFill>
+                  <a:schemeClr val="lt1"/>
+                </a:solidFill>
+                <a:latin typeface="+mn-lt"/>
+                <a:ea typeface="+mn-ea"/>
+                <a:cs typeface="+mn-cs"/>
+              </a:defRPr>
+            </a:lvl7pPr>
+            <a:lvl8pPr marL="3200400" algn="l" defTabSz="914400" rtl="0" eaLnBrk="1" latinLnBrk="0" hangingPunct="1">
+              <a:defRPr sz="1800" kern="1200">
+                <a:solidFill>
+                  <a:schemeClr val="lt1"/>
+                </a:solidFill>
+                <a:latin typeface="+mn-lt"/>
+                <a:ea typeface="+mn-ea"/>
+                <a:cs typeface="+mn-cs"/>
+              </a:defRPr>
+            </a:lvl8pPr>
+            <a:lvl9pPr marL="3657600" algn="l" defTabSz="914400" rtl="0" eaLnBrk="1" latinLnBrk="0" hangingPunct="1">
+              <a:defRPr sz="1800" kern="1200">
+                <a:solidFill>
+                  <a:schemeClr val="lt1"/>
+                </a:solidFill>
+                <a:latin typeface="+mn-lt"/>
+                <a:ea typeface="+mn-ea"/>
+                <a:cs typeface="+mn-cs"/>
+              </a:defRPr>
+            </a:lvl9pPr>
+          </a:lstStyle>
+          <a:p>
+            <a:pPr algn="ctr"/>
+            <a:endParaRPr lang="en-US"/>
+          </a:p>
+        </p:txBody>
+      </p:sp>
+      <p:pic>
+        <p:nvPicPr>
+          <p:cNvPr id="5" name="Content Placeholder 4" descr="Graphical user interface, application&#10;&#10;Description automatically generated">
+            <a:extLst>
+              <a:ext uri="{FF2B5EF4-FFF2-40B4-BE49-F238E27FC236}">
+                <a16:creationId xmlns:a16="http://schemas.microsoft.com/office/drawing/2014/main" id="{60F9B134-70C1-1BEF-31DE-72D7086F4899}"/>
+              </a:ext>
+            </a:extLst>
+          </p:cNvPr>
+          <p:cNvPicPr>
+            <a:picLocks noGrp="1" noChangeAspect="1"/>
+          </p:cNvPicPr>
+          <p:nvPr>
+            <p:ph idx="1"/>
+          </p:nvPr>
+        </p:nvPicPr>
+        <p:blipFill rotWithShape="1">
+          <a:blip r:embed="rId2"/>
+          <a:srcRect l="4929" r="6610"/>
+          <a:stretch/>
+        </p:blipFill>
+        <p:spPr>
+          <a:xfrm>
+            <a:off x="20" y="1282"/>
+            <a:ext cx="12191980" cy="6856718"/>
+          </a:xfrm>
+          <a:prstGeom prst="rect">
+            <a:avLst/>
+          </a:prstGeom>
+        </p:spPr>
+      </p:pic>
+    </p:spTree>
+    <p:extLst>
+      <p:ext uri="{BB962C8B-B14F-4D97-AF65-F5344CB8AC3E}">
+        <p14:creationId xmlns:p14="http://schemas.microsoft.com/office/powerpoint/2010/main" val="26577475"/>
+      </p:ext>
+    </p:extLst>
+  </p:cSld>
+  <p:clrMapOvr>
+    <a:masterClrMapping/>
+  </p:clrMapOvr>
+</p:sld>
+</file>
+
 <file path=ppt/theme/theme1.xml><?xml version="1.0" encoding="utf-8"?>
 <a:theme xmlns:a="http://schemas.openxmlformats.org/drawingml/2006/main" name="Office Theme">
   <a:themeElements>

--- a/progressSlide/progessWeek3_PonMorin.pptx
+++ b/progressSlide/progessWeek3_PonMorin.pptx
@@ -8,11 +8,14 @@
     <p:sldId id="260" r:id="rId2"/>
     <p:sldId id="261" r:id="rId3"/>
     <p:sldId id="256" r:id="rId4"/>
-    <p:sldId id="258" r:id="rId5"/>
-    <p:sldId id="257" r:id="rId6"/>
-    <p:sldId id="259" r:id="rId7"/>
-    <p:sldId id="262" r:id="rId8"/>
-    <p:sldId id="263" r:id="rId9"/>
+    <p:sldId id="264" r:id="rId5"/>
+    <p:sldId id="265" r:id="rId6"/>
+    <p:sldId id="266" r:id="rId7"/>
+    <p:sldId id="257" r:id="rId8"/>
+    <p:sldId id="259" r:id="rId9"/>
+    <p:sldId id="267" r:id="rId10"/>
+    <p:sldId id="262" r:id="rId11"/>
+    <p:sldId id="263" r:id="rId12"/>
   </p:sldIdLst>
   <p:sldSz cx="12192000" cy="6858000"/>
   <p:notesSz cx="6858000" cy="9144000"/>
@@ -3381,6 +3384,454 @@
 </p:sld>
 </file>
 
+<file path=ppt/slides/slide10.xml><?xml version="1.0" encoding="utf-8"?>
+<p:sld xmlns:a="http://schemas.openxmlformats.org/drawingml/2006/main" xmlns:r="http://schemas.openxmlformats.org/officeDocument/2006/relationships" xmlns:p="http://schemas.openxmlformats.org/presentationml/2006/main">
+  <p:cSld>
+    <p:bg>
+      <p:bgPr>
+        <a:solidFill>
+          <a:schemeClr val="bg1"/>
+        </a:solidFill>
+        <a:effectLst/>
+      </p:bgPr>
+    </p:bg>
+    <p:spTree>
+      <p:nvGrpSpPr>
+        <p:cNvPr id="1" name=""/>
+        <p:cNvGrpSpPr/>
+        <p:nvPr/>
+      </p:nvGrpSpPr>
+      <p:grpSpPr>
+        <a:xfrm>
+          <a:off x="0" y="0"/>
+          <a:ext cx="0" cy="0"/>
+          <a:chOff x="0" y="0"/>
+          <a:chExt cx="0" cy="0"/>
+        </a:xfrm>
+      </p:grpSpPr>
+      <p:sp>
+        <p:nvSpPr>
+          <p:cNvPr id="9" name="Rectangle 11">
+            <a:extLst>
+              <a:ext uri="{FF2B5EF4-FFF2-40B4-BE49-F238E27FC236}">
+                <a16:creationId xmlns:a16="http://schemas.microsoft.com/office/drawing/2014/main" id="{42A4FC2C-047E-45A5-965D-8E1E3BF09BC6}"/>
+              </a:ext>
+              <a:ext uri="{C183D7F6-B498-43B3-948B-1728B52AA6E4}">
+                <adec:decorative xmlns:adec="http://schemas.microsoft.com/office/drawing/2017/decorative" val="1"/>
+              </a:ext>
+            </a:extLst>
+          </p:cNvPr>
+          <p:cNvSpPr>
+            <a:spLocks noGrp="1" noRot="1" noChangeAspect="1" noMove="1" noResize="1" noEditPoints="1" noAdjustHandles="1" noChangeArrowheads="1" noChangeShapeType="1" noTextEdit="1"/>
+          </p:cNvSpPr>
+          <p:nvPr>
+            <p:extLst>
+              <p:ext uri="{386F3935-93C4-4BCD-93E2-E3B085C9AB24}">
+                <p16:designElem xmlns:p16="http://schemas.microsoft.com/office/powerpoint/2015/main" val="1"/>
+              </p:ext>
+            </p:extLst>
+          </p:nvPr>
+        </p:nvSpPr>
+        <p:spPr bwMode="white">
+          <a:xfrm>
+            <a:off x="1524" y="0"/>
+            <a:ext cx="12188952" cy="6858000"/>
+          </a:xfrm>
+          <a:prstGeom prst="rect">
+            <a:avLst/>
+          </a:prstGeom>
+          <a:noFill/>
+          <a:ln>
+            <a:noFill/>
+          </a:ln>
+        </p:spPr>
+        <p:style>
+          <a:lnRef idx="2">
+            <a:schemeClr val="accent1">
+              <a:shade val="50000"/>
+            </a:schemeClr>
+          </a:lnRef>
+          <a:fillRef idx="1">
+            <a:schemeClr val="accent1"/>
+          </a:fillRef>
+          <a:effectRef idx="0">
+            <a:schemeClr val="accent1"/>
+          </a:effectRef>
+          <a:fontRef idx="minor">
+            <a:schemeClr val="lt1"/>
+          </a:fontRef>
+        </p:style>
+        <p:txBody>
+          <a:bodyPr rtlCol="0" anchor="ctr"/>
+          <a:lstStyle>
+            <a:defPPr>
+              <a:defRPr lang="en-US"/>
+            </a:defPPr>
+            <a:lvl1pPr marL="0" algn="l" defTabSz="914400" rtl="0" eaLnBrk="1" latinLnBrk="0" hangingPunct="1">
+              <a:defRPr sz="1800" kern="1200">
+                <a:solidFill>
+                  <a:schemeClr val="lt1"/>
+                </a:solidFill>
+                <a:latin typeface="+mn-lt"/>
+                <a:ea typeface="+mn-ea"/>
+                <a:cs typeface="+mn-cs"/>
+              </a:defRPr>
+            </a:lvl1pPr>
+            <a:lvl2pPr marL="457200" algn="l" defTabSz="914400" rtl="0" eaLnBrk="1" latinLnBrk="0" hangingPunct="1">
+              <a:defRPr sz="1800" kern="1200">
+                <a:solidFill>
+                  <a:schemeClr val="lt1"/>
+                </a:solidFill>
+                <a:latin typeface="+mn-lt"/>
+                <a:ea typeface="+mn-ea"/>
+                <a:cs typeface="+mn-cs"/>
+              </a:defRPr>
+            </a:lvl2pPr>
+            <a:lvl3pPr marL="914400" algn="l" defTabSz="914400" rtl="0" eaLnBrk="1" latinLnBrk="0" hangingPunct="1">
+              <a:defRPr sz="1800" kern="1200">
+                <a:solidFill>
+                  <a:schemeClr val="lt1"/>
+                </a:solidFill>
+                <a:latin typeface="+mn-lt"/>
+                <a:ea typeface="+mn-ea"/>
+                <a:cs typeface="+mn-cs"/>
+              </a:defRPr>
+            </a:lvl3pPr>
+            <a:lvl4pPr marL="1371600" algn="l" defTabSz="914400" rtl="0" eaLnBrk="1" latinLnBrk="0" hangingPunct="1">
+              <a:defRPr sz="1800" kern="1200">
+                <a:solidFill>
+                  <a:schemeClr val="lt1"/>
+                </a:solidFill>
+                <a:latin typeface="+mn-lt"/>
+                <a:ea typeface="+mn-ea"/>
+                <a:cs typeface="+mn-cs"/>
+              </a:defRPr>
+            </a:lvl4pPr>
+            <a:lvl5pPr marL="1828800" algn="l" defTabSz="914400" rtl="0" eaLnBrk="1" latinLnBrk="0" hangingPunct="1">
+              <a:defRPr sz="1800" kern="1200">
+                <a:solidFill>
+                  <a:schemeClr val="lt1"/>
+                </a:solidFill>
+                <a:latin typeface="+mn-lt"/>
+                <a:ea typeface="+mn-ea"/>
+                <a:cs typeface="+mn-cs"/>
+              </a:defRPr>
+            </a:lvl5pPr>
+            <a:lvl6pPr marL="2286000" algn="l" defTabSz="914400" rtl="0" eaLnBrk="1" latinLnBrk="0" hangingPunct="1">
+              <a:defRPr sz="1800" kern="1200">
+                <a:solidFill>
+                  <a:schemeClr val="lt1"/>
+                </a:solidFill>
+                <a:latin typeface="+mn-lt"/>
+                <a:ea typeface="+mn-ea"/>
+                <a:cs typeface="+mn-cs"/>
+              </a:defRPr>
+            </a:lvl6pPr>
+            <a:lvl7pPr marL="2743200" algn="l" defTabSz="914400" rtl="0" eaLnBrk="1" latinLnBrk="0" hangingPunct="1">
+              <a:defRPr sz="1800" kern="1200">
+                <a:solidFill>
+                  <a:schemeClr val="lt1"/>
+                </a:solidFill>
+                <a:latin typeface="+mn-lt"/>
+                <a:ea typeface="+mn-ea"/>
+                <a:cs typeface="+mn-cs"/>
+              </a:defRPr>
+            </a:lvl7pPr>
+            <a:lvl8pPr marL="3200400" algn="l" defTabSz="914400" rtl="0" eaLnBrk="1" latinLnBrk="0" hangingPunct="1">
+              <a:defRPr sz="1800" kern="1200">
+                <a:solidFill>
+                  <a:schemeClr val="lt1"/>
+                </a:solidFill>
+                <a:latin typeface="+mn-lt"/>
+                <a:ea typeface="+mn-ea"/>
+                <a:cs typeface="+mn-cs"/>
+              </a:defRPr>
+            </a:lvl8pPr>
+            <a:lvl9pPr marL="3657600" algn="l" defTabSz="914400" rtl="0" eaLnBrk="1" latinLnBrk="0" hangingPunct="1">
+              <a:defRPr sz="1800" kern="1200">
+                <a:solidFill>
+                  <a:schemeClr val="lt1"/>
+                </a:solidFill>
+                <a:latin typeface="+mn-lt"/>
+                <a:ea typeface="+mn-ea"/>
+                <a:cs typeface="+mn-cs"/>
+              </a:defRPr>
+            </a:lvl9pPr>
+          </a:lstStyle>
+          <a:p>
+            <a:pPr algn="ctr"/>
+            <a:endParaRPr lang="en-US"/>
+          </a:p>
+        </p:txBody>
+      </p:sp>
+      <p:pic>
+        <p:nvPicPr>
+          <p:cNvPr id="7" name="Content Placeholder 6" descr="Graphical user interface, application&#10;&#10;Description automatically generated">
+            <a:extLst>
+              <a:ext uri="{FF2B5EF4-FFF2-40B4-BE49-F238E27FC236}">
+                <a16:creationId xmlns:a16="http://schemas.microsoft.com/office/drawing/2014/main" id="{DB72536C-3135-CE88-D124-2D77572DC29F}"/>
+              </a:ext>
+            </a:extLst>
+          </p:cNvPr>
+          <p:cNvPicPr>
+            <a:picLocks noGrp="1" noChangeAspect="1"/>
+          </p:cNvPicPr>
+          <p:nvPr>
+            <p:ph idx="1"/>
+          </p:nvPr>
+        </p:nvPicPr>
+        <p:blipFill rotWithShape="1">
+          <a:blip r:embed="rId2"/>
+          <a:srcRect l="5765" r="6219"/>
+          <a:stretch/>
+        </p:blipFill>
+        <p:spPr>
+          <a:xfrm>
+            <a:off x="20" y="1282"/>
+            <a:ext cx="12191980" cy="6856718"/>
+          </a:xfrm>
+          <a:prstGeom prst="rect">
+            <a:avLst/>
+          </a:prstGeom>
+        </p:spPr>
+      </p:pic>
+    </p:spTree>
+    <p:extLst>
+      <p:ext uri="{BB962C8B-B14F-4D97-AF65-F5344CB8AC3E}">
+        <p14:creationId xmlns:p14="http://schemas.microsoft.com/office/powerpoint/2010/main" val="390435749"/>
+      </p:ext>
+    </p:extLst>
+  </p:cSld>
+  <p:clrMapOvr>
+    <a:masterClrMapping/>
+  </p:clrMapOvr>
+</p:sld>
+</file>
+
+<file path=ppt/slides/slide11.xml><?xml version="1.0" encoding="utf-8"?>
+<p:sld xmlns:a="http://schemas.openxmlformats.org/drawingml/2006/main" xmlns:r="http://schemas.openxmlformats.org/officeDocument/2006/relationships" xmlns:p="http://schemas.openxmlformats.org/presentationml/2006/main">
+  <p:cSld>
+    <p:bg>
+      <p:bgPr>
+        <a:solidFill>
+          <a:schemeClr val="bg1"/>
+        </a:solidFill>
+        <a:effectLst/>
+      </p:bgPr>
+    </p:bg>
+    <p:spTree>
+      <p:nvGrpSpPr>
+        <p:cNvPr id="1" name=""/>
+        <p:cNvGrpSpPr/>
+        <p:nvPr/>
+      </p:nvGrpSpPr>
+      <p:grpSpPr>
+        <a:xfrm>
+          <a:off x="0" y="0"/>
+          <a:ext cx="0" cy="0"/>
+          <a:chOff x="0" y="0"/>
+          <a:chExt cx="0" cy="0"/>
+        </a:xfrm>
+      </p:grpSpPr>
+      <p:sp>
+        <p:nvSpPr>
+          <p:cNvPr id="10" name="Rectangle 9">
+            <a:extLst>
+              <a:ext uri="{FF2B5EF4-FFF2-40B4-BE49-F238E27FC236}">
+                <a16:creationId xmlns:a16="http://schemas.microsoft.com/office/drawing/2014/main" id="{42A4FC2C-047E-45A5-965D-8E1E3BF09BC6}"/>
+              </a:ext>
+              <a:ext uri="{C183D7F6-B498-43B3-948B-1728B52AA6E4}">
+                <adec:decorative xmlns:adec="http://schemas.microsoft.com/office/drawing/2017/decorative" val="1"/>
+              </a:ext>
+            </a:extLst>
+          </p:cNvPr>
+          <p:cNvSpPr>
+            <a:spLocks noGrp="1" noRot="1" noChangeAspect="1" noMove="1" noResize="1" noEditPoints="1" noAdjustHandles="1" noChangeArrowheads="1" noChangeShapeType="1" noTextEdit="1"/>
+          </p:cNvSpPr>
+          <p:nvPr>
+            <p:extLst>
+              <p:ext uri="{386F3935-93C4-4BCD-93E2-E3B085C9AB24}">
+                <p16:designElem xmlns:p16="http://schemas.microsoft.com/office/powerpoint/2015/main" val="1"/>
+              </p:ext>
+            </p:extLst>
+          </p:nvPr>
+        </p:nvSpPr>
+        <p:spPr bwMode="white">
+          <a:xfrm>
+            <a:off x="1524" y="0"/>
+            <a:ext cx="12188952" cy="6858000"/>
+          </a:xfrm>
+          <a:prstGeom prst="rect">
+            <a:avLst/>
+          </a:prstGeom>
+          <a:noFill/>
+          <a:ln>
+            <a:noFill/>
+          </a:ln>
+        </p:spPr>
+        <p:style>
+          <a:lnRef idx="2">
+            <a:schemeClr val="accent1">
+              <a:shade val="50000"/>
+            </a:schemeClr>
+          </a:lnRef>
+          <a:fillRef idx="1">
+            <a:schemeClr val="accent1"/>
+          </a:fillRef>
+          <a:effectRef idx="0">
+            <a:schemeClr val="accent1"/>
+          </a:effectRef>
+          <a:fontRef idx="minor">
+            <a:schemeClr val="lt1"/>
+          </a:fontRef>
+        </p:style>
+        <p:txBody>
+          <a:bodyPr rtlCol="0" anchor="ctr"/>
+          <a:lstStyle>
+            <a:defPPr>
+              <a:defRPr lang="en-US"/>
+            </a:defPPr>
+            <a:lvl1pPr marL="0" algn="l" defTabSz="914400" rtl="0" eaLnBrk="1" latinLnBrk="0" hangingPunct="1">
+              <a:defRPr sz="1800" kern="1200">
+                <a:solidFill>
+                  <a:schemeClr val="lt1"/>
+                </a:solidFill>
+                <a:latin typeface="+mn-lt"/>
+                <a:ea typeface="+mn-ea"/>
+                <a:cs typeface="+mn-cs"/>
+              </a:defRPr>
+            </a:lvl1pPr>
+            <a:lvl2pPr marL="457200" algn="l" defTabSz="914400" rtl="0" eaLnBrk="1" latinLnBrk="0" hangingPunct="1">
+              <a:defRPr sz="1800" kern="1200">
+                <a:solidFill>
+                  <a:schemeClr val="lt1"/>
+                </a:solidFill>
+                <a:latin typeface="+mn-lt"/>
+                <a:ea typeface="+mn-ea"/>
+                <a:cs typeface="+mn-cs"/>
+              </a:defRPr>
+            </a:lvl2pPr>
+            <a:lvl3pPr marL="914400" algn="l" defTabSz="914400" rtl="0" eaLnBrk="1" latinLnBrk="0" hangingPunct="1">
+              <a:defRPr sz="1800" kern="1200">
+                <a:solidFill>
+                  <a:schemeClr val="lt1"/>
+                </a:solidFill>
+                <a:latin typeface="+mn-lt"/>
+                <a:ea typeface="+mn-ea"/>
+                <a:cs typeface="+mn-cs"/>
+              </a:defRPr>
+            </a:lvl3pPr>
+            <a:lvl4pPr marL="1371600" algn="l" defTabSz="914400" rtl="0" eaLnBrk="1" latinLnBrk="0" hangingPunct="1">
+              <a:defRPr sz="1800" kern="1200">
+                <a:solidFill>
+                  <a:schemeClr val="lt1"/>
+                </a:solidFill>
+                <a:latin typeface="+mn-lt"/>
+                <a:ea typeface="+mn-ea"/>
+                <a:cs typeface="+mn-cs"/>
+              </a:defRPr>
+            </a:lvl4pPr>
+            <a:lvl5pPr marL="1828800" algn="l" defTabSz="914400" rtl="0" eaLnBrk="1" latinLnBrk="0" hangingPunct="1">
+              <a:defRPr sz="1800" kern="1200">
+                <a:solidFill>
+                  <a:schemeClr val="lt1"/>
+                </a:solidFill>
+                <a:latin typeface="+mn-lt"/>
+                <a:ea typeface="+mn-ea"/>
+                <a:cs typeface="+mn-cs"/>
+              </a:defRPr>
+            </a:lvl5pPr>
+            <a:lvl6pPr marL="2286000" algn="l" defTabSz="914400" rtl="0" eaLnBrk="1" latinLnBrk="0" hangingPunct="1">
+              <a:defRPr sz="1800" kern="1200">
+                <a:solidFill>
+                  <a:schemeClr val="lt1"/>
+                </a:solidFill>
+                <a:latin typeface="+mn-lt"/>
+                <a:ea typeface="+mn-ea"/>
+                <a:cs typeface="+mn-cs"/>
+              </a:defRPr>
+            </a:lvl6pPr>
+            <a:lvl7pPr marL="2743200" algn="l" defTabSz="914400" rtl="0" eaLnBrk="1" latinLnBrk="0" hangingPunct="1">
+              <a:defRPr sz="1800" kern="1200">
+                <a:solidFill>
+                  <a:schemeClr val="lt1"/>
+                </a:solidFill>
+                <a:latin typeface="+mn-lt"/>
+                <a:ea typeface="+mn-ea"/>
+                <a:cs typeface="+mn-cs"/>
+              </a:defRPr>
+            </a:lvl7pPr>
+            <a:lvl8pPr marL="3200400" algn="l" defTabSz="914400" rtl="0" eaLnBrk="1" latinLnBrk="0" hangingPunct="1">
+              <a:defRPr sz="1800" kern="1200">
+                <a:solidFill>
+                  <a:schemeClr val="lt1"/>
+                </a:solidFill>
+                <a:latin typeface="+mn-lt"/>
+                <a:ea typeface="+mn-ea"/>
+                <a:cs typeface="+mn-cs"/>
+              </a:defRPr>
+            </a:lvl8pPr>
+            <a:lvl9pPr marL="3657600" algn="l" defTabSz="914400" rtl="0" eaLnBrk="1" latinLnBrk="0" hangingPunct="1">
+              <a:defRPr sz="1800" kern="1200">
+                <a:solidFill>
+                  <a:schemeClr val="lt1"/>
+                </a:solidFill>
+                <a:latin typeface="+mn-lt"/>
+                <a:ea typeface="+mn-ea"/>
+                <a:cs typeface="+mn-cs"/>
+              </a:defRPr>
+            </a:lvl9pPr>
+          </a:lstStyle>
+          <a:p>
+            <a:pPr algn="ctr"/>
+            <a:endParaRPr lang="en-US"/>
+          </a:p>
+        </p:txBody>
+      </p:sp>
+      <p:pic>
+        <p:nvPicPr>
+          <p:cNvPr id="5" name="Content Placeholder 4" descr="Graphical user interface, application&#10;&#10;Description automatically generated">
+            <a:extLst>
+              <a:ext uri="{FF2B5EF4-FFF2-40B4-BE49-F238E27FC236}">
+                <a16:creationId xmlns:a16="http://schemas.microsoft.com/office/drawing/2014/main" id="{60F9B134-70C1-1BEF-31DE-72D7086F4899}"/>
+              </a:ext>
+            </a:extLst>
+          </p:cNvPr>
+          <p:cNvPicPr>
+            <a:picLocks noGrp="1" noChangeAspect="1"/>
+          </p:cNvPicPr>
+          <p:nvPr>
+            <p:ph idx="1"/>
+          </p:nvPr>
+        </p:nvPicPr>
+        <p:blipFill rotWithShape="1">
+          <a:blip r:embed="rId2"/>
+          <a:srcRect l="4929" r="6610"/>
+          <a:stretch/>
+        </p:blipFill>
+        <p:spPr>
+          <a:xfrm>
+            <a:off x="20" y="1282"/>
+            <a:ext cx="12191980" cy="6856718"/>
+          </a:xfrm>
+          <a:prstGeom prst="rect">
+            <a:avLst/>
+          </a:prstGeom>
+        </p:spPr>
+      </p:pic>
+    </p:spTree>
+    <p:extLst>
+      <p:ext uri="{BB962C8B-B14F-4D97-AF65-F5344CB8AC3E}">
+        <p14:creationId xmlns:p14="http://schemas.microsoft.com/office/powerpoint/2010/main" val="26577475"/>
+      </p:ext>
+    </p:extLst>
+  </p:cSld>
+  <p:clrMapOvr>
+    <a:masterClrMapping/>
+  </p:clrMapOvr>
+</p:sld>
+</file>
+
 <file path=ppt/slides/slide2.xml><?xml version="1.0" encoding="utf-8"?>
 <p:sld xmlns:a="http://schemas.openxmlformats.org/drawingml/2006/main" xmlns:r="http://schemas.openxmlformats.org/officeDocument/2006/relationships" xmlns:p="http://schemas.openxmlformats.org/presentationml/2006/main">
   <p:cSld>
@@ -3509,12 +3960,9 @@
   <p:cSld>
     <p:bg>
       <p:bgPr>
-        <a:blipFill>
-          <a:blip r:embed="rId2"/>
-          <a:stretch>
-            <a:fillRect/>
-          </a:stretch>
-        </a:blipFill>
+        <a:solidFill>
+          <a:schemeClr val="bg1"/>
+        </a:solidFill>
         <a:effectLst/>
       </p:bgPr>
     </p:bg>
@@ -3532,10 +3980,196 @@
           <a:chExt cx="0" cy="0"/>
         </a:xfrm>
       </p:grpSpPr>
+      <p:sp>
+        <p:nvSpPr>
+          <p:cNvPr id="18" name="Rectangle 17">
+            <a:extLst>
+              <a:ext uri="{FF2B5EF4-FFF2-40B4-BE49-F238E27FC236}">
+                <a16:creationId xmlns:a16="http://schemas.microsoft.com/office/drawing/2014/main" id="{42A4FC2C-047E-45A5-965D-8E1E3BF09BC6}"/>
+              </a:ext>
+              <a:ext uri="{C183D7F6-B498-43B3-948B-1728B52AA6E4}">
+                <adec:decorative xmlns:adec="http://schemas.microsoft.com/office/drawing/2017/decorative" val="1"/>
+              </a:ext>
+            </a:extLst>
+          </p:cNvPr>
+          <p:cNvSpPr>
+            <a:spLocks noGrp="1" noRot="1" noChangeAspect="1" noMove="1" noResize="1" noEditPoints="1" noAdjustHandles="1" noChangeArrowheads="1" noChangeShapeType="1" noTextEdit="1"/>
+          </p:cNvSpPr>
+          <p:nvPr>
+            <p:extLst>
+              <p:ext uri="{386F3935-93C4-4BCD-93E2-E3B085C9AB24}">
+                <p16:designElem xmlns:p16="http://schemas.microsoft.com/office/powerpoint/2015/main" val="1"/>
+              </p:ext>
+            </p:extLst>
+          </p:nvPr>
+        </p:nvSpPr>
+        <p:spPr bwMode="white">
+          <a:xfrm>
+            <a:off x="1524" y="0"/>
+            <a:ext cx="12188952" cy="6858000"/>
+          </a:xfrm>
+          <a:prstGeom prst="rect">
+            <a:avLst/>
+          </a:prstGeom>
+          <a:noFill/>
+          <a:ln>
+            <a:noFill/>
+          </a:ln>
+        </p:spPr>
+        <p:style>
+          <a:lnRef idx="2">
+            <a:schemeClr val="accent1">
+              <a:shade val="50000"/>
+            </a:schemeClr>
+          </a:lnRef>
+          <a:fillRef idx="1">
+            <a:schemeClr val="accent1"/>
+          </a:fillRef>
+          <a:effectRef idx="0">
+            <a:schemeClr val="accent1"/>
+          </a:effectRef>
+          <a:fontRef idx="minor">
+            <a:schemeClr val="lt1"/>
+          </a:fontRef>
+        </p:style>
+        <p:txBody>
+          <a:bodyPr rtlCol="0" anchor="ctr"/>
+          <a:lstStyle>
+            <a:defPPr>
+              <a:defRPr lang="en-US"/>
+            </a:defPPr>
+            <a:lvl1pPr marL="0" algn="l" defTabSz="914400" rtl="0" eaLnBrk="1" latinLnBrk="0" hangingPunct="1">
+              <a:defRPr sz="1800" kern="1200">
+                <a:solidFill>
+                  <a:schemeClr val="lt1"/>
+                </a:solidFill>
+                <a:latin typeface="+mn-lt"/>
+                <a:ea typeface="+mn-ea"/>
+                <a:cs typeface="+mn-cs"/>
+              </a:defRPr>
+            </a:lvl1pPr>
+            <a:lvl2pPr marL="457200" algn="l" defTabSz="914400" rtl="0" eaLnBrk="1" latinLnBrk="0" hangingPunct="1">
+              <a:defRPr sz="1800" kern="1200">
+                <a:solidFill>
+                  <a:schemeClr val="lt1"/>
+                </a:solidFill>
+                <a:latin typeface="+mn-lt"/>
+                <a:ea typeface="+mn-ea"/>
+                <a:cs typeface="+mn-cs"/>
+              </a:defRPr>
+            </a:lvl2pPr>
+            <a:lvl3pPr marL="914400" algn="l" defTabSz="914400" rtl="0" eaLnBrk="1" latinLnBrk="0" hangingPunct="1">
+              <a:defRPr sz="1800" kern="1200">
+                <a:solidFill>
+                  <a:schemeClr val="lt1"/>
+                </a:solidFill>
+                <a:latin typeface="+mn-lt"/>
+                <a:ea typeface="+mn-ea"/>
+                <a:cs typeface="+mn-cs"/>
+              </a:defRPr>
+            </a:lvl3pPr>
+            <a:lvl4pPr marL="1371600" algn="l" defTabSz="914400" rtl="0" eaLnBrk="1" latinLnBrk="0" hangingPunct="1">
+              <a:defRPr sz="1800" kern="1200">
+                <a:solidFill>
+                  <a:schemeClr val="lt1"/>
+                </a:solidFill>
+                <a:latin typeface="+mn-lt"/>
+                <a:ea typeface="+mn-ea"/>
+                <a:cs typeface="+mn-cs"/>
+              </a:defRPr>
+            </a:lvl4pPr>
+            <a:lvl5pPr marL="1828800" algn="l" defTabSz="914400" rtl="0" eaLnBrk="1" latinLnBrk="0" hangingPunct="1">
+              <a:defRPr sz="1800" kern="1200">
+                <a:solidFill>
+                  <a:schemeClr val="lt1"/>
+                </a:solidFill>
+                <a:latin typeface="+mn-lt"/>
+                <a:ea typeface="+mn-ea"/>
+                <a:cs typeface="+mn-cs"/>
+              </a:defRPr>
+            </a:lvl5pPr>
+            <a:lvl6pPr marL="2286000" algn="l" defTabSz="914400" rtl="0" eaLnBrk="1" latinLnBrk="0" hangingPunct="1">
+              <a:defRPr sz="1800" kern="1200">
+                <a:solidFill>
+                  <a:schemeClr val="lt1"/>
+                </a:solidFill>
+                <a:latin typeface="+mn-lt"/>
+                <a:ea typeface="+mn-ea"/>
+                <a:cs typeface="+mn-cs"/>
+              </a:defRPr>
+            </a:lvl6pPr>
+            <a:lvl7pPr marL="2743200" algn="l" defTabSz="914400" rtl="0" eaLnBrk="1" latinLnBrk="0" hangingPunct="1">
+              <a:defRPr sz="1800" kern="1200">
+                <a:solidFill>
+                  <a:schemeClr val="lt1"/>
+                </a:solidFill>
+                <a:latin typeface="+mn-lt"/>
+                <a:ea typeface="+mn-ea"/>
+                <a:cs typeface="+mn-cs"/>
+              </a:defRPr>
+            </a:lvl7pPr>
+            <a:lvl8pPr marL="3200400" algn="l" defTabSz="914400" rtl="0" eaLnBrk="1" latinLnBrk="0" hangingPunct="1">
+              <a:defRPr sz="1800" kern="1200">
+                <a:solidFill>
+                  <a:schemeClr val="lt1"/>
+                </a:solidFill>
+                <a:latin typeface="+mn-lt"/>
+                <a:ea typeface="+mn-ea"/>
+                <a:cs typeface="+mn-cs"/>
+              </a:defRPr>
+            </a:lvl8pPr>
+            <a:lvl9pPr marL="3657600" algn="l" defTabSz="914400" rtl="0" eaLnBrk="1" latinLnBrk="0" hangingPunct="1">
+              <a:defRPr sz="1800" kern="1200">
+                <a:solidFill>
+                  <a:schemeClr val="lt1"/>
+                </a:solidFill>
+                <a:latin typeface="+mn-lt"/>
+                <a:ea typeface="+mn-ea"/>
+                <a:cs typeface="+mn-cs"/>
+              </a:defRPr>
+            </a:lvl9pPr>
+          </a:lstStyle>
+          <a:p>
+            <a:pPr algn="ctr"/>
+            <a:endParaRPr lang="en-US"/>
+          </a:p>
+        </p:txBody>
+      </p:sp>
+      <p:pic>
+        <p:nvPicPr>
+          <p:cNvPr id="12" name="Content Placeholder 11" descr="Graphical user interface, application&#10;&#10;Description automatically generated">
+            <a:extLst>
+              <a:ext uri="{FF2B5EF4-FFF2-40B4-BE49-F238E27FC236}">
+                <a16:creationId xmlns:a16="http://schemas.microsoft.com/office/drawing/2014/main" id="{BABC2B2E-8210-408C-3B0B-FBB38516072B}"/>
+              </a:ext>
+            </a:extLst>
+          </p:cNvPr>
+          <p:cNvPicPr>
+            <a:picLocks noGrp="1" noChangeAspect="1"/>
+          </p:cNvPicPr>
+          <p:nvPr>
+            <p:ph idx="1"/>
+          </p:nvPr>
+        </p:nvPicPr>
+        <p:blipFill rotWithShape="1">
+          <a:blip r:embed="rId2"/>
+          <a:srcRect b="10506"/>
+          <a:stretch/>
+        </p:blipFill>
+        <p:spPr>
+          <a:xfrm>
+            <a:off x="838199" y="735153"/>
+            <a:ext cx="10515602" cy="5387693"/>
+          </a:xfrm>
+          <a:prstGeom prst="rect">
+            <a:avLst/>
+          </a:prstGeom>
+        </p:spPr>
+      </p:pic>
     </p:spTree>
     <p:extLst>
       <p:ext uri="{BB962C8B-B14F-4D97-AF65-F5344CB8AC3E}">
-        <p14:creationId xmlns:p14="http://schemas.microsoft.com/office/powerpoint/2010/main" val="3300241338"/>
+        <p14:creationId xmlns:p14="http://schemas.microsoft.com/office/powerpoint/2010/main" val="556445870"/>
       </p:ext>
     </p:extLst>
   </p:cSld>
@@ -3727,6 +4361,454 @@
       </p:sp>
       <p:pic>
         <p:nvPicPr>
+          <p:cNvPr id="5" name="Content Placeholder 4" descr="Graphical user interface, text, application&#10;&#10;Description automatically generated">
+            <a:extLst>
+              <a:ext uri="{FF2B5EF4-FFF2-40B4-BE49-F238E27FC236}">
+                <a16:creationId xmlns:a16="http://schemas.microsoft.com/office/drawing/2014/main" id="{14EEEF6C-6B24-EB6C-32C7-DD40DB8B681D}"/>
+              </a:ext>
+            </a:extLst>
+          </p:cNvPr>
+          <p:cNvPicPr>
+            <a:picLocks noGrp="1" noChangeAspect="1"/>
+          </p:cNvPicPr>
+          <p:nvPr>
+            <p:ph idx="1"/>
+          </p:nvPr>
+        </p:nvPicPr>
+        <p:blipFill rotWithShape="1">
+          <a:blip r:embed="rId2"/>
+          <a:srcRect t="10895"/>
+          <a:stretch/>
+        </p:blipFill>
+        <p:spPr>
+          <a:xfrm>
+            <a:off x="838199" y="735153"/>
+            <a:ext cx="10515602" cy="5387693"/>
+          </a:xfrm>
+          <a:prstGeom prst="rect">
+            <a:avLst/>
+          </a:prstGeom>
+        </p:spPr>
+      </p:pic>
+    </p:spTree>
+    <p:extLst>
+      <p:ext uri="{BB962C8B-B14F-4D97-AF65-F5344CB8AC3E}">
+        <p14:creationId xmlns:p14="http://schemas.microsoft.com/office/powerpoint/2010/main" val="1691720089"/>
+      </p:ext>
+    </p:extLst>
+  </p:cSld>
+  <p:clrMapOvr>
+    <a:masterClrMapping/>
+  </p:clrMapOvr>
+</p:sld>
+</file>
+
+<file path=ppt/slides/slide6.xml><?xml version="1.0" encoding="utf-8"?>
+<p:sld xmlns:a="http://schemas.openxmlformats.org/drawingml/2006/main" xmlns:r="http://schemas.openxmlformats.org/officeDocument/2006/relationships" xmlns:p="http://schemas.openxmlformats.org/presentationml/2006/main">
+  <p:cSld>
+    <p:bg>
+      <p:bgPr>
+        <a:solidFill>
+          <a:schemeClr val="bg1"/>
+        </a:solidFill>
+        <a:effectLst/>
+      </p:bgPr>
+    </p:bg>
+    <p:spTree>
+      <p:nvGrpSpPr>
+        <p:cNvPr id="1" name=""/>
+        <p:cNvGrpSpPr/>
+        <p:nvPr/>
+      </p:nvGrpSpPr>
+      <p:grpSpPr>
+        <a:xfrm>
+          <a:off x="0" y="0"/>
+          <a:ext cx="0" cy="0"/>
+          <a:chOff x="0" y="0"/>
+          <a:chExt cx="0" cy="0"/>
+        </a:xfrm>
+      </p:grpSpPr>
+      <p:sp>
+        <p:nvSpPr>
+          <p:cNvPr id="10" name="Rectangle 9">
+            <a:extLst>
+              <a:ext uri="{FF2B5EF4-FFF2-40B4-BE49-F238E27FC236}">
+                <a16:creationId xmlns:a16="http://schemas.microsoft.com/office/drawing/2014/main" id="{42A4FC2C-047E-45A5-965D-8E1E3BF09BC6}"/>
+              </a:ext>
+              <a:ext uri="{C183D7F6-B498-43B3-948B-1728B52AA6E4}">
+                <adec:decorative xmlns:adec="http://schemas.microsoft.com/office/drawing/2017/decorative" val="1"/>
+              </a:ext>
+            </a:extLst>
+          </p:cNvPr>
+          <p:cNvSpPr>
+            <a:spLocks noGrp="1" noRot="1" noChangeAspect="1" noMove="1" noResize="1" noEditPoints="1" noAdjustHandles="1" noChangeArrowheads="1" noChangeShapeType="1" noTextEdit="1"/>
+          </p:cNvSpPr>
+          <p:nvPr>
+            <p:extLst>
+              <p:ext uri="{386F3935-93C4-4BCD-93E2-E3B085C9AB24}">
+                <p16:designElem xmlns:p16="http://schemas.microsoft.com/office/powerpoint/2015/main" val="1"/>
+              </p:ext>
+            </p:extLst>
+          </p:nvPr>
+        </p:nvSpPr>
+        <p:spPr bwMode="white">
+          <a:xfrm>
+            <a:off x="1524" y="0"/>
+            <a:ext cx="12188952" cy="6858000"/>
+          </a:xfrm>
+          <a:prstGeom prst="rect">
+            <a:avLst/>
+          </a:prstGeom>
+          <a:noFill/>
+          <a:ln>
+            <a:noFill/>
+          </a:ln>
+        </p:spPr>
+        <p:style>
+          <a:lnRef idx="2">
+            <a:schemeClr val="accent1">
+              <a:shade val="50000"/>
+            </a:schemeClr>
+          </a:lnRef>
+          <a:fillRef idx="1">
+            <a:schemeClr val="accent1"/>
+          </a:fillRef>
+          <a:effectRef idx="0">
+            <a:schemeClr val="accent1"/>
+          </a:effectRef>
+          <a:fontRef idx="minor">
+            <a:schemeClr val="lt1"/>
+          </a:fontRef>
+        </p:style>
+        <p:txBody>
+          <a:bodyPr rtlCol="0" anchor="ctr"/>
+          <a:lstStyle>
+            <a:defPPr>
+              <a:defRPr lang="en-US"/>
+            </a:defPPr>
+            <a:lvl1pPr marL="0" algn="l" defTabSz="914400" rtl="0" eaLnBrk="1" latinLnBrk="0" hangingPunct="1">
+              <a:defRPr sz="1800" kern="1200">
+                <a:solidFill>
+                  <a:schemeClr val="lt1"/>
+                </a:solidFill>
+                <a:latin typeface="+mn-lt"/>
+                <a:ea typeface="+mn-ea"/>
+                <a:cs typeface="+mn-cs"/>
+              </a:defRPr>
+            </a:lvl1pPr>
+            <a:lvl2pPr marL="457200" algn="l" defTabSz="914400" rtl="0" eaLnBrk="1" latinLnBrk="0" hangingPunct="1">
+              <a:defRPr sz="1800" kern="1200">
+                <a:solidFill>
+                  <a:schemeClr val="lt1"/>
+                </a:solidFill>
+                <a:latin typeface="+mn-lt"/>
+                <a:ea typeface="+mn-ea"/>
+                <a:cs typeface="+mn-cs"/>
+              </a:defRPr>
+            </a:lvl2pPr>
+            <a:lvl3pPr marL="914400" algn="l" defTabSz="914400" rtl="0" eaLnBrk="1" latinLnBrk="0" hangingPunct="1">
+              <a:defRPr sz="1800" kern="1200">
+                <a:solidFill>
+                  <a:schemeClr val="lt1"/>
+                </a:solidFill>
+                <a:latin typeface="+mn-lt"/>
+                <a:ea typeface="+mn-ea"/>
+                <a:cs typeface="+mn-cs"/>
+              </a:defRPr>
+            </a:lvl3pPr>
+            <a:lvl4pPr marL="1371600" algn="l" defTabSz="914400" rtl="0" eaLnBrk="1" latinLnBrk="0" hangingPunct="1">
+              <a:defRPr sz="1800" kern="1200">
+                <a:solidFill>
+                  <a:schemeClr val="lt1"/>
+                </a:solidFill>
+                <a:latin typeface="+mn-lt"/>
+                <a:ea typeface="+mn-ea"/>
+                <a:cs typeface="+mn-cs"/>
+              </a:defRPr>
+            </a:lvl4pPr>
+            <a:lvl5pPr marL="1828800" algn="l" defTabSz="914400" rtl="0" eaLnBrk="1" latinLnBrk="0" hangingPunct="1">
+              <a:defRPr sz="1800" kern="1200">
+                <a:solidFill>
+                  <a:schemeClr val="lt1"/>
+                </a:solidFill>
+                <a:latin typeface="+mn-lt"/>
+                <a:ea typeface="+mn-ea"/>
+                <a:cs typeface="+mn-cs"/>
+              </a:defRPr>
+            </a:lvl5pPr>
+            <a:lvl6pPr marL="2286000" algn="l" defTabSz="914400" rtl="0" eaLnBrk="1" latinLnBrk="0" hangingPunct="1">
+              <a:defRPr sz="1800" kern="1200">
+                <a:solidFill>
+                  <a:schemeClr val="lt1"/>
+                </a:solidFill>
+                <a:latin typeface="+mn-lt"/>
+                <a:ea typeface="+mn-ea"/>
+                <a:cs typeface="+mn-cs"/>
+              </a:defRPr>
+            </a:lvl6pPr>
+            <a:lvl7pPr marL="2743200" algn="l" defTabSz="914400" rtl="0" eaLnBrk="1" latinLnBrk="0" hangingPunct="1">
+              <a:defRPr sz="1800" kern="1200">
+                <a:solidFill>
+                  <a:schemeClr val="lt1"/>
+                </a:solidFill>
+                <a:latin typeface="+mn-lt"/>
+                <a:ea typeface="+mn-ea"/>
+                <a:cs typeface="+mn-cs"/>
+              </a:defRPr>
+            </a:lvl7pPr>
+            <a:lvl8pPr marL="3200400" algn="l" defTabSz="914400" rtl="0" eaLnBrk="1" latinLnBrk="0" hangingPunct="1">
+              <a:defRPr sz="1800" kern="1200">
+                <a:solidFill>
+                  <a:schemeClr val="lt1"/>
+                </a:solidFill>
+                <a:latin typeface="+mn-lt"/>
+                <a:ea typeface="+mn-ea"/>
+                <a:cs typeface="+mn-cs"/>
+              </a:defRPr>
+            </a:lvl8pPr>
+            <a:lvl9pPr marL="3657600" algn="l" defTabSz="914400" rtl="0" eaLnBrk="1" latinLnBrk="0" hangingPunct="1">
+              <a:defRPr sz="1800" kern="1200">
+                <a:solidFill>
+                  <a:schemeClr val="lt1"/>
+                </a:solidFill>
+                <a:latin typeface="+mn-lt"/>
+                <a:ea typeface="+mn-ea"/>
+                <a:cs typeface="+mn-cs"/>
+              </a:defRPr>
+            </a:lvl9pPr>
+          </a:lstStyle>
+          <a:p>
+            <a:pPr algn="ctr"/>
+            <a:endParaRPr lang="en-US"/>
+          </a:p>
+        </p:txBody>
+      </p:sp>
+      <p:pic>
+        <p:nvPicPr>
+          <p:cNvPr id="5" name="Content Placeholder 4" descr="Graphical user interface, application&#10;&#10;Description automatically generated">
+            <a:extLst>
+              <a:ext uri="{FF2B5EF4-FFF2-40B4-BE49-F238E27FC236}">
+                <a16:creationId xmlns:a16="http://schemas.microsoft.com/office/drawing/2014/main" id="{EC2CF732-6DCB-A9A8-5EF0-B0C035482D6E}"/>
+              </a:ext>
+            </a:extLst>
+          </p:cNvPr>
+          <p:cNvPicPr>
+            <a:picLocks noGrp="1" noChangeAspect="1"/>
+          </p:cNvPicPr>
+          <p:nvPr>
+            <p:ph idx="1"/>
+          </p:nvPr>
+        </p:nvPicPr>
+        <p:blipFill rotWithShape="1">
+          <a:blip r:embed="rId2"/>
+          <a:srcRect b="1765"/>
+          <a:stretch/>
+        </p:blipFill>
+        <p:spPr>
+          <a:xfrm>
+            <a:off x="20" y="1282"/>
+            <a:ext cx="12191980" cy="6856718"/>
+          </a:xfrm>
+          <a:prstGeom prst="rect">
+            <a:avLst/>
+          </a:prstGeom>
+        </p:spPr>
+      </p:pic>
+    </p:spTree>
+    <p:extLst>
+      <p:ext uri="{BB962C8B-B14F-4D97-AF65-F5344CB8AC3E}">
+        <p14:creationId xmlns:p14="http://schemas.microsoft.com/office/powerpoint/2010/main" val="3969661892"/>
+      </p:ext>
+    </p:extLst>
+  </p:cSld>
+  <p:clrMapOvr>
+    <a:masterClrMapping/>
+  </p:clrMapOvr>
+</p:sld>
+</file>
+
+<file path=ppt/slides/slide7.xml><?xml version="1.0" encoding="utf-8"?>
+<p:sld xmlns:a="http://schemas.openxmlformats.org/drawingml/2006/main" xmlns:r="http://schemas.openxmlformats.org/officeDocument/2006/relationships" xmlns:p="http://schemas.openxmlformats.org/presentationml/2006/main">
+  <p:cSld>
+    <p:bg>
+      <p:bgPr>
+        <a:solidFill>
+          <a:schemeClr val="bg1"/>
+        </a:solidFill>
+        <a:effectLst/>
+      </p:bgPr>
+    </p:bg>
+    <p:spTree>
+      <p:nvGrpSpPr>
+        <p:cNvPr id="1" name=""/>
+        <p:cNvGrpSpPr/>
+        <p:nvPr/>
+      </p:nvGrpSpPr>
+      <p:grpSpPr>
+        <a:xfrm>
+          <a:off x="0" y="0"/>
+          <a:ext cx="0" cy="0"/>
+          <a:chOff x="0" y="0"/>
+          <a:chExt cx="0" cy="0"/>
+        </a:xfrm>
+      </p:grpSpPr>
+      <p:sp>
+        <p:nvSpPr>
+          <p:cNvPr id="10" name="Rectangle 9">
+            <a:extLst>
+              <a:ext uri="{FF2B5EF4-FFF2-40B4-BE49-F238E27FC236}">
+                <a16:creationId xmlns:a16="http://schemas.microsoft.com/office/drawing/2014/main" id="{42A4FC2C-047E-45A5-965D-8E1E3BF09BC6}"/>
+              </a:ext>
+              <a:ext uri="{C183D7F6-B498-43B3-948B-1728B52AA6E4}">
+                <adec:decorative xmlns:adec="http://schemas.microsoft.com/office/drawing/2017/decorative" val="1"/>
+              </a:ext>
+            </a:extLst>
+          </p:cNvPr>
+          <p:cNvSpPr>
+            <a:spLocks noGrp="1" noRot="1" noChangeAspect="1" noMove="1" noResize="1" noEditPoints="1" noAdjustHandles="1" noChangeArrowheads="1" noChangeShapeType="1" noTextEdit="1"/>
+          </p:cNvSpPr>
+          <p:nvPr>
+            <p:extLst>
+              <p:ext uri="{386F3935-93C4-4BCD-93E2-E3B085C9AB24}">
+                <p16:designElem xmlns:p16="http://schemas.microsoft.com/office/powerpoint/2015/main" val="1"/>
+              </p:ext>
+            </p:extLst>
+          </p:nvPr>
+        </p:nvSpPr>
+        <p:spPr bwMode="white">
+          <a:xfrm>
+            <a:off x="1524" y="0"/>
+            <a:ext cx="12188952" cy="6858000"/>
+          </a:xfrm>
+          <a:prstGeom prst="rect">
+            <a:avLst/>
+          </a:prstGeom>
+          <a:noFill/>
+          <a:ln>
+            <a:noFill/>
+          </a:ln>
+        </p:spPr>
+        <p:style>
+          <a:lnRef idx="2">
+            <a:schemeClr val="accent1">
+              <a:shade val="50000"/>
+            </a:schemeClr>
+          </a:lnRef>
+          <a:fillRef idx="1">
+            <a:schemeClr val="accent1"/>
+          </a:fillRef>
+          <a:effectRef idx="0">
+            <a:schemeClr val="accent1"/>
+          </a:effectRef>
+          <a:fontRef idx="minor">
+            <a:schemeClr val="lt1"/>
+          </a:fontRef>
+        </p:style>
+        <p:txBody>
+          <a:bodyPr rtlCol="0" anchor="ctr"/>
+          <a:lstStyle>
+            <a:defPPr>
+              <a:defRPr lang="en-US"/>
+            </a:defPPr>
+            <a:lvl1pPr marL="0" algn="l" defTabSz="914400" rtl="0" eaLnBrk="1" latinLnBrk="0" hangingPunct="1">
+              <a:defRPr sz="1800" kern="1200">
+                <a:solidFill>
+                  <a:schemeClr val="lt1"/>
+                </a:solidFill>
+                <a:latin typeface="+mn-lt"/>
+                <a:ea typeface="+mn-ea"/>
+                <a:cs typeface="+mn-cs"/>
+              </a:defRPr>
+            </a:lvl1pPr>
+            <a:lvl2pPr marL="457200" algn="l" defTabSz="914400" rtl="0" eaLnBrk="1" latinLnBrk="0" hangingPunct="1">
+              <a:defRPr sz="1800" kern="1200">
+                <a:solidFill>
+                  <a:schemeClr val="lt1"/>
+                </a:solidFill>
+                <a:latin typeface="+mn-lt"/>
+                <a:ea typeface="+mn-ea"/>
+                <a:cs typeface="+mn-cs"/>
+              </a:defRPr>
+            </a:lvl2pPr>
+            <a:lvl3pPr marL="914400" algn="l" defTabSz="914400" rtl="0" eaLnBrk="1" latinLnBrk="0" hangingPunct="1">
+              <a:defRPr sz="1800" kern="1200">
+                <a:solidFill>
+                  <a:schemeClr val="lt1"/>
+                </a:solidFill>
+                <a:latin typeface="+mn-lt"/>
+                <a:ea typeface="+mn-ea"/>
+                <a:cs typeface="+mn-cs"/>
+              </a:defRPr>
+            </a:lvl3pPr>
+            <a:lvl4pPr marL="1371600" algn="l" defTabSz="914400" rtl="0" eaLnBrk="1" latinLnBrk="0" hangingPunct="1">
+              <a:defRPr sz="1800" kern="1200">
+                <a:solidFill>
+                  <a:schemeClr val="lt1"/>
+                </a:solidFill>
+                <a:latin typeface="+mn-lt"/>
+                <a:ea typeface="+mn-ea"/>
+                <a:cs typeface="+mn-cs"/>
+              </a:defRPr>
+            </a:lvl4pPr>
+            <a:lvl5pPr marL="1828800" algn="l" defTabSz="914400" rtl="0" eaLnBrk="1" latinLnBrk="0" hangingPunct="1">
+              <a:defRPr sz="1800" kern="1200">
+                <a:solidFill>
+                  <a:schemeClr val="lt1"/>
+                </a:solidFill>
+                <a:latin typeface="+mn-lt"/>
+                <a:ea typeface="+mn-ea"/>
+                <a:cs typeface="+mn-cs"/>
+              </a:defRPr>
+            </a:lvl5pPr>
+            <a:lvl6pPr marL="2286000" algn="l" defTabSz="914400" rtl="0" eaLnBrk="1" latinLnBrk="0" hangingPunct="1">
+              <a:defRPr sz="1800" kern="1200">
+                <a:solidFill>
+                  <a:schemeClr val="lt1"/>
+                </a:solidFill>
+                <a:latin typeface="+mn-lt"/>
+                <a:ea typeface="+mn-ea"/>
+                <a:cs typeface="+mn-cs"/>
+              </a:defRPr>
+            </a:lvl6pPr>
+            <a:lvl7pPr marL="2743200" algn="l" defTabSz="914400" rtl="0" eaLnBrk="1" latinLnBrk="0" hangingPunct="1">
+              <a:defRPr sz="1800" kern="1200">
+                <a:solidFill>
+                  <a:schemeClr val="lt1"/>
+                </a:solidFill>
+                <a:latin typeface="+mn-lt"/>
+                <a:ea typeface="+mn-ea"/>
+                <a:cs typeface="+mn-cs"/>
+              </a:defRPr>
+            </a:lvl7pPr>
+            <a:lvl8pPr marL="3200400" algn="l" defTabSz="914400" rtl="0" eaLnBrk="1" latinLnBrk="0" hangingPunct="1">
+              <a:defRPr sz="1800" kern="1200">
+                <a:solidFill>
+                  <a:schemeClr val="lt1"/>
+                </a:solidFill>
+                <a:latin typeface="+mn-lt"/>
+                <a:ea typeface="+mn-ea"/>
+                <a:cs typeface="+mn-cs"/>
+              </a:defRPr>
+            </a:lvl8pPr>
+            <a:lvl9pPr marL="3657600" algn="l" defTabSz="914400" rtl="0" eaLnBrk="1" latinLnBrk="0" hangingPunct="1">
+              <a:defRPr sz="1800" kern="1200">
+                <a:solidFill>
+                  <a:schemeClr val="lt1"/>
+                </a:solidFill>
+                <a:latin typeface="+mn-lt"/>
+                <a:ea typeface="+mn-ea"/>
+                <a:cs typeface="+mn-cs"/>
+              </a:defRPr>
+            </a:lvl9pPr>
+          </a:lstStyle>
+          <a:p>
+            <a:pPr algn="ctr"/>
+            <a:endParaRPr lang="en-US"/>
+          </a:p>
+        </p:txBody>
+      </p:sp>
+      <p:pic>
+        <p:nvPicPr>
           <p:cNvPr id="5" name="Content Placeholder 4" descr="Graphical user interface, diagram&#10;&#10;Description automatically generated">
             <a:extLst>
               <a:ext uri="{FF2B5EF4-FFF2-40B4-BE49-F238E27FC236}">
@@ -3769,7 +4851,7 @@
 </p:sld>
 </file>
 
-<file path=ppt/slides/slide6.xml><?xml version="1.0" encoding="utf-8"?>
+<file path=ppt/slides/slide8.xml><?xml version="1.0" encoding="utf-8"?>
 <p:sld xmlns:a="http://schemas.openxmlformats.org/drawingml/2006/main" xmlns:r="http://schemas.openxmlformats.org/officeDocument/2006/relationships" xmlns:p="http://schemas.openxmlformats.org/presentationml/2006/main">
   <p:cSld>
     <p:bg>
@@ -3813,7 +4895,7 @@
 </p:sld>
 </file>
 
-<file path=ppt/slides/slide7.xml><?xml version="1.0" encoding="utf-8"?>
+<file path=ppt/slides/slide9.xml><?xml version="1.0" encoding="utf-8"?>
 <p:sld xmlns:a="http://schemas.openxmlformats.org/drawingml/2006/main" xmlns:r="http://schemas.openxmlformats.org/officeDocument/2006/relationships" xmlns:p="http://schemas.openxmlformats.org/presentationml/2006/main">
   <p:cSld>
     <p:bg>
@@ -3840,7 +4922,7 @@
       </p:grpSpPr>
       <p:sp>
         <p:nvSpPr>
-          <p:cNvPr id="9" name="Rectangle 11">
+          <p:cNvPr id="20" name="Rectangle 9">
             <a:extLst>
               <a:ext uri="{FF2B5EF4-FFF2-40B4-BE49-F238E27FC236}">
                 <a16:creationId xmlns:a16="http://schemas.microsoft.com/office/drawing/2014/main" id="{42A4FC2C-047E-45A5-965D-8E1E3BF09BC6}"/>
@@ -3995,10 +5077,10 @@
       </p:sp>
       <p:pic>
         <p:nvPicPr>
-          <p:cNvPr id="7" name="Content Placeholder 6" descr="Graphical user interface, application&#10;&#10;Description automatically generated">
-            <a:extLst>
-              <a:ext uri="{FF2B5EF4-FFF2-40B4-BE49-F238E27FC236}">
-                <a16:creationId xmlns:a16="http://schemas.microsoft.com/office/drawing/2014/main" id="{DB72536C-3135-CE88-D124-2D77572DC29F}"/>
+          <p:cNvPr id="5" name="Content Placeholder 4" descr="Graphical user interface, website&#10;&#10;Description automatically generated with medium confidence">
+            <a:extLst>
+              <a:ext uri="{FF2B5EF4-FFF2-40B4-BE49-F238E27FC236}">
+                <a16:creationId xmlns:a16="http://schemas.microsoft.com/office/drawing/2014/main" id="{735BA2BF-DA9F-3167-A28E-4FBDB1A7A86D}"/>
               </a:ext>
             </a:extLst>
           </p:cNvPr>
@@ -4011,7 +5093,7 @@
         </p:nvPicPr>
         <p:blipFill rotWithShape="1">
           <a:blip r:embed="rId2"/>
-          <a:srcRect l="5765" r="6219"/>
+          <a:srcRect b="900"/>
           <a:stretch/>
         </p:blipFill>
         <p:spPr>
@@ -4027,231 +5109,7 @@
     </p:spTree>
     <p:extLst>
       <p:ext uri="{BB962C8B-B14F-4D97-AF65-F5344CB8AC3E}">
-        <p14:creationId xmlns:p14="http://schemas.microsoft.com/office/powerpoint/2010/main" val="390435749"/>
-      </p:ext>
-    </p:extLst>
-  </p:cSld>
-  <p:clrMapOvr>
-    <a:masterClrMapping/>
-  </p:clrMapOvr>
-</p:sld>
-</file>
-
-<file path=ppt/slides/slide8.xml><?xml version="1.0" encoding="utf-8"?>
-<p:sld xmlns:a="http://schemas.openxmlformats.org/drawingml/2006/main" xmlns:r="http://schemas.openxmlformats.org/officeDocument/2006/relationships" xmlns:p="http://schemas.openxmlformats.org/presentationml/2006/main">
-  <p:cSld>
-    <p:bg>
-      <p:bgPr>
-        <a:solidFill>
-          <a:schemeClr val="bg1"/>
-        </a:solidFill>
-        <a:effectLst/>
-      </p:bgPr>
-    </p:bg>
-    <p:spTree>
-      <p:nvGrpSpPr>
-        <p:cNvPr id="1" name=""/>
-        <p:cNvGrpSpPr/>
-        <p:nvPr/>
-      </p:nvGrpSpPr>
-      <p:grpSpPr>
-        <a:xfrm>
-          <a:off x="0" y="0"/>
-          <a:ext cx="0" cy="0"/>
-          <a:chOff x="0" y="0"/>
-          <a:chExt cx="0" cy="0"/>
-        </a:xfrm>
-      </p:grpSpPr>
-      <p:sp>
-        <p:nvSpPr>
-          <p:cNvPr id="10" name="Rectangle 9">
-            <a:extLst>
-              <a:ext uri="{FF2B5EF4-FFF2-40B4-BE49-F238E27FC236}">
-                <a16:creationId xmlns:a16="http://schemas.microsoft.com/office/drawing/2014/main" id="{42A4FC2C-047E-45A5-965D-8E1E3BF09BC6}"/>
-              </a:ext>
-              <a:ext uri="{C183D7F6-B498-43B3-948B-1728B52AA6E4}">
-                <adec:decorative xmlns:adec="http://schemas.microsoft.com/office/drawing/2017/decorative" val="1"/>
-              </a:ext>
-            </a:extLst>
-          </p:cNvPr>
-          <p:cNvSpPr>
-            <a:spLocks noGrp="1" noRot="1" noChangeAspect="1" noMove="1" noResize="1" noEditPoints="1" noAdjustHandles="1" noChangeArrowheads="1" noChangeShapeType="1" noTextEdit="1"/>
-          </p:cNvSpPr>
-          <p:nvPr>
-            <p:extLst>
-              <p:ext uri="{386F3935-93C4-4BCD-93E2-E3B085C9AB24}">
-                <p16:designElem xmlns:p16="http://schemas.microsoft.com/office/powerpoint/2015/main" val="1"/>
-              </p:ext>
-            </p:extLst>
-          </p:nvPr>
-        </p:nvSpPr>
-        <p:spPr bwMode="white">
-          <a:xfrm>
-            <a:off x="1524" y="0"/>
-            <a:ext cx="12188952" cy="6858000"/>
-          </a:xfrm>
-          <a:prstGeom prst="rect">
-            <a:avLst/>
-          </a:prstGeom>
-          <a:noFill/>
-          <a:ln>
-            <a:noFill/>
-          </a:ln>
-        </p:spPr>
-        <p:style>
-          <a:lnRef idx="2">
-            <a:schemeClr val="accent1">
-              <a:shade val="50000"/>
-            </a:schemeClr>
-          </a:lnRef>
-          <a:fillRef idx="1">
-            <a:schemeClr val="accent1"/>
-          </a:fillRef>
-          <a:effectRef idx="0">
-            <a:schemeClr val="accent1"/>
-          </a:effectRef>
-          <a:fontRef idx="minor">
-            <a:schemeClr val="lt1"/>
-          </a:fontRef>
-        </p:style>
-        <p:txBody>
-          <a:bodyPr rtlCol="0" anchor="ctr"/>
-          <a:lstStyle>
-            <a:defPPr>
-              <a:defRPr lang="en-US"/>
-            </a:defPPr>
-            <a:lvl1pPr marL="0" algn="l" defTabSz="914400" rtl="0" eaLnBrk="1" latinLnBrk="0" hangingPunct="1">
-              <a:defRPr sz="1800" kern="1200">
-                <a:solidFill>
-                  <a:schemeClr val="lt1"/>
-                </a:solidFill>
-                <a:latin typeface="+mn-lt"/>
-                <a:ea typeface="+mn-ea"/>
-                <a:cs typeface="+mn-cs"/>
-              </a:defRPr>
-            </a:lvl1pPr>
-            <a:lvl2pPr marL="457200" algn="l" defTabSz="914400" rtl="0" eaLnBrk="1" latinLnBrk="0" hangingPunct="1">
-              <a:defRPr sz="1800" kern="1200">
-                <a:solidFill>
-                  <a:schemeClr val="lt1"/>
-                </a:solidFill>
-                <a:latin typeface="+mn-lt"/>
-                <a:ea typeface="+mn-ea"/>
-                <a:cs typeface="+mn-cs"/>
-              </a:defRPr>
-            </a:lvl2pPr>
-            <a:lvl3pPr marL="914400" algn="l" defTabSz="914400" rtl="0" eaLnBrk="1" latinLnBrk="0" hangingPunct="1">
-              <a:defRPr sz="1800" kern="1200">
-                <a:solidFill>
-                  <a:schemeClr val="lt1"/>
-                </a:solidFill>
-                <a:latin typeface="+mn-lt"/>
-                <a:ea typeface="+mn-ea"/>
-                <a:cs typeface="+mn-cs"/>
-              </a:defRPr>
-            </a:lvl3pPr>
-            <a:lvl4pPr marL="1371600" algn="l" defTabSz="914400" rtl="0" eaLnBrk="1" latinLnBrk="0" hangingPunct="1">
-              <a:defRPr sz="1800" kern="1200">
-                <a:solidFill>
-                  <a:schemeClr val="lt1"/>
-                </a:solidFill>
-                <a:latin typeface="+mn-lt"/>
-                <a:ea typeface="+mn-ea"/>
-                <a:cs typeface="+mn-cs"/>
-              </a:defRPr>
-            </a:lvl4pPr>
-            <a:lvl5pPr marL="1828800" algn="l" defTabSz="914400" rtl="0" eaLnBrk="1" latinLnBrk="0" hangingPunct="1">
-              <a:defRPr sz="1800" kern="1200">
-                <a:solidFill>
-                  <a:schemeClr val="lt1"/>
-                </a:solidFill>
-                <a:latin typeface="+mn-lt"/>
-                <a:ea typeface="+mn-ea"/>
-                <a:cs typeface="+mn-cs"/>
-              </a:defRPr>
-            </a:lvl5pPr>
-            <a:lvl6pPr marL="2286000" algn="l" defTabSz="914400" rtl="0" eaLnBrk="1" latinLnBrk="0" hangingPunct="1">
-              <a:defRPr sz="1800" kern="1200">
-                <a:solidFill>
-                  <a:schemeClr val="lt1"/>
-                </a:solidFill>
-                <a:latin typeface="+mn-lt"/>
-                <a:ea typeface="+mn-ea"/>
-                <a:cs typeface="+mn-cs"/>
-              </a:defRPr>
-            </a:lvl6pPr>
-            <a:lvl7pPr marL="2743200" algn="l" defTabSz="914400" rtl="0" eaLnBrk="1" latinLnBrk="0" hangingPunct="1">
-              <a:defRPr sz="1800" kern="1200">
-                <a:solidFill>
-                  <a:schemeClr val="lt1"/>
-                </a:solidFill>
-                <a:latin typeface="+mn-lt"/>
-                <a:ea typeface="+mn-ea"/>
-                <a:cs typeface="+mn-cs"/>
-              </a:defRPr>
-            </a:lvl7pPr>
-            <a:lvl8pPr marL="3200400" algn="l" defTabSz="914400" rtl="0" eaLnBrk="1" latinLnBrk="0" hangingPunct="1">
-              <a:defRPr sz="1800" kern="1200">
-                <a:solidFill>
-                  <a:schemeClr val="lt1"/>
-                </a:solidFill>
-                <a:latin typeface="+mn-lt"/>
-                <a:ea typeface="+mn-ea"/>
-                <a:cs typeface="+mn-cs"/>
-              </a:defRPr>
-            </a:lvl8pPr>
-            <a:lvl9pPr marL="3657600" algn="l" defTabSz="914400" rtl="0" eaLnBrk="1" latinLnBrk="0" hangingPunct="1">
-              <a:defRPr sz="1800" kern="1200">
-                <a:solidFill>
-                  <a:schemeClr val="lt1"/>
-                </a:solidFill>
-                <a:latin typeface="+mn-lt"/>
-                <a:ea typeface="+mn-ea"/>
-                <a:cs typeface="+mn-cs"/>
-              </a:defRPr>
-            </a:lvl9pPr>
-          </a:lstStyle>
-          <a:p>
-            <a:pPr algn="ctr"/>
-            <a:endParaRPr lang="en-US"/>
-          </a:p>
-        </p:txBody>
-      </p:sp>
-      <p:pic>
-        <p:nvPicPr>
-          <p:cNvPr id="5" name="Content Placeholder 4" descr="Graphical user interface, application&#10;&#10;Description automatically generated">
-            <a:extLst>
-              <a:ext uri="{FF2B5EF4-FFF2-40B4-BE49-F238E27FC236}">
-                <a16:creationId xmlns:a16="http://schemas.microsoft.com/office/drawing/2014/main" id="{60F9B134-70C1-1BEF-31DE-72D7086F4899}"/>
-              </a:ext>
-            </a:extLst>
-          </p:cNvPr>
-          <p:cNvPicPr>
-            <a:picLocks noGrp="1" noChangeAspect="1"/>
-          </p:cNvPicPr>
-          <p:nvPr>
-            <p:ph idx="1"/>
-          </p:nvPr>
-        </p:nvPicPr>
-        <p:blipFill rotWithShape="1">
-          <a:blip r:embed="rId2"/>
-          <a:srcRect l="4929" r="6610"/>
-          <a:stretch/>
-        </p:blipFill>
-        <p:spPr>
-          <a:xfrm>
-            <a:off x="20" y="1282"/>
-            <a:ext cx="12191980" cy="6856718"/>
-          </a:xfrm>
-          <a:prstGeom prst="rect">
-            <a:avLst/>
-          </a:prstGeom>
-        </p:spPr>
-      </p:pic>
-    </p:spTree>
-    <p:extLst>
-      <p:ext uri="{BB962C8B-B14F-4D97-AF65-F5344CB8AC3E}">
-        <p14:creationId xmlns:p14="http://schemas.microsoft.com/office/powerpoint/2010/main" val="26577475"/>
+        <p14:creationId xmlns:p14="http://schemas.microsoft.com/office/powerpoint/2010/main" val="1203115529"/>
       </p:ext>
     </p:extLst>
   </p:cSld>
